--- a/Français/4. Analysing data/3.Groups.pptx
+++ b/Français/4. Analysing data/3.Groups.pptx
@@ -208,7 +208,7 @@
           <a:p>
             <a:fld id="{056BA3B8-9F76-4D81-B71D-76CB85363062}" type="datetimeFigureOut">
               <a:rPr lang="en-US" smtClean="0"/>
-              <a:t>2/26/2025</a:t>
+              <a:t>3/5/2025</a:t>
             </a:fld>
             <a:endParaRPr lang="en-US"/>
           </a:p>
@@ -691,7 +691,7 @@
           <a:p>
             <a:fld id="{6F01DA4D-20EA-48D2-973C-0311EC3005D6}" type="datetimeFigureOut">
               <a:rPr lang="en-US" smtClean="0"/>
-              <a:t>2/26/2025</a:t>
+              <a:t>3/5/2025</a:t>
             </a:fld>
             <a:endParaRPr lang="en-US"/>
           </a:p>
@@ -861,7 +861,7 @@
           <a:p>
             <a:fld id="{6F01DA4D-20EA-48D2-973C-0311EC3005D6}" type="datetimeFigureOut">
               <a:rPr lang="en-US" smtClean="0"/>
-              <a:t>2/26/2025</a:t>
+              <a:t>3/5/2025</a:t>
             </a:fld>
             <a:endParaRPr lang="en-US"/>
           </a:p>
@@ -1041,7 +1041,7 @@
           <a:p>
             <a:fld id="{6F01DA4D-20EA-48D2-973C-0311EC3005D6}" type="datetimeFigureOut">
               <a:rPr lang="en-US" smtClean="0"/>
-              <a:t>2/26/2025</a:t>
+              <a:t>3/5/2025</a:t>
             </a:fld>
             <a:endParaRPr lang="en-US"/>
           </a:p>
@@ -1211,7 +1211,7 @@
           <a:p>
             <a:fld id="{6F01DA4D-20EA-48D2-973C-0311EC3005D6}" type="datetimeFigureOut">
               <a:rPr lang="en-US" smtClean="0"/>
-              <a:t>2/26/2025</a:t>
+              <a:t>3/5/2025</a:t>
             </a:fld>
             <a:endParaRPr lang="en-US"/>
           </a:p>
@@ -1457,7 +1457,7 @@
           <a:p>
             <a:fld id="{6F01DA4D-20EA-48D2-973C-0311EC3005D6}" type="datetimeFigureOut">
               <a:rPr lang="en-US" smtClean="0"/>
-              <a:t>2/26/2025</a:t>
+              <a:t>3/5/2025</a:t>
             </a:fld>
             <a:endParaRPr lang="en-US"/>
           </a:p>
@@ -1689,7 +1689,7 @@
           <a:p>
             <a:fld id="{6F01DA4D-20EA-48D2-973C-0311EC3005D6}" type="datetimeFigureOut">
               <a:rPr lang="en-US" smtClean="0"/>
-              <a:t>2/26/2025</a:t>
+              <a:t>3/5/2025</a:t>
             </a:fld>
             <a:endParaRPr lang="en-US"/>
           </a:p>
@@ -2056,7 +2056,7 @@
           <a:p>
             <a:fld id="{6F01DA4D-20EA-48D2-973C-0311EC3005D6}" type="datetimeFigureOut">
               <a:rPr lang="en-US" smtClean="0"/>
-              <a:t>2/26/2025</a:t>
+              <a:t>3/5/2025</a:t>
             </a:fld>
             <a:endParaRPr lang="en-US"/>
           </a:p>
@@ -2174,7 +2174,7 @@
           <a:p>
             <a:fld id="{6F01DA4D-20EA-48D2-973C-0311EC3005D6}" type="datetimeFigureOut">
               <a:rPr lang="en-US" smtClean="0"/>
-              <a:t>2/26/2025</a:t>
+              <a:t>3/5/2025</a:t>
             </a:fld>
             <a:endParaRPr lang="en-US"/>
           </a:p>
@@ -2269,7 +2269,7 @@
           <a:p>
             <a:fld id="{6F01DA4D-20EA-48D2-973C-0311EC3005D6}" type="datetimeFigureOut">
               <a:rPr lang="en-US" smtClean="0"/>
-              <a:t>2/26/2025</a:t>
+              <a:t>3/5/2025</a:t>
             </a:fld>
             <a:endParaRPr lang="en-US"/>
           </a:p>
@@ -2546,7 +2546,7 @@
           <a:p>
             <a:fld id="{6F01DA4D-20EA-48D2-973C-0311EC3005D6}" type="datetimeFigureOut">
               <a:rPr lang="en-US" smtClean="0"/>
-              <a:t>2/26/2025</a:t>
+              <a:t>3/5/2025</a:t>
             </a:fld>
             <a:endParaRPr lang="en-US"/>
           </a:p>
@@ -2799,7 +2799,7 @@
           <a:p>
             <a:fld id="{6F01DA4D-20EA-48D2-973C-0311EC3005D6}" type="datetimeFigureOut">
               <a:rPr lang="en-US" smtClean="0"/>
-              <a:t>2/26/2025</a:t>
+              <a:t>3/5/2025</a:t>
             </a:fld>
             <a:endParaRPr lang="en-US"/>
           </a:p>
@@ -3012,7 +3012,7 @@
           <a:p>
             <a:fld id="{6F01DA4D-20EA-48D2-973C-0311EC3005D6}" type="datetimeFigureOut">
               <a:rPr lang="en-US" smtClean="0"/>
-              <a:t>2/26/2025</a:t>
+              <a:t>3/5/2025</a:t>
             </a:fld>
             <a:endParaRPr lang="en-US"/>
           </a:p>
@@ -4496,7 +4496,7 @@
           <p:cNvPicPr/>
           <p:nvPr/>
         </p:nvPicPr>
-        <p:blipFill>
+        <p:blipFill rotWithShape="1">
           <a:blip r:embed="rId2">
             <a:extLst>
               <a:ext uri="{28A0092B-C50C-407E-A947-70E740481C1C}">
@@ -4504,15 +4504,13 @@
               </a:ext>
             </a:extLst>
           </a:blip>
-          <a:srcRect/>
-          <a:stretch>
-            <a:fillRect/>
-          </a:stretch>
+          <a:srcRect t="6984" b="10044"/>
+          <a:stretch/>
         </p:blipFill>
         <p:spPr bwMode="auto">
           <a:xfrm>
-            <a:off x="3805058" y="2930148"/>
-            <a:ext cx="5200650" cy="3032760"/>
+            <a:off x="2952535" y="3004457"/>
+            <a:ext cx="6012710" cy="2956332"/>
           </a:xfrm>
           <a:prstGeom prst="rect">
             <a:avLst/>
@@ -4555,8 +4553,20 @@
               <a:t>Note : </a:t>
             </a:r>
             <a:r>
+              <a:rPr lang="fr-FR" sz="2000" dirty="0" smtClean="0"/>
+              <a:t>Cet atelier utilise </a:t>
+            </a:r>
+            <a:r>
               <a:rPr lang="fr-FR" sz="2000" dirty="0"/>
-              <a:t>Ce laboratoire utilise le fichier gdp.xlsx situé dans le dossier</a:t>
+              <a:t>le fichier </a:t>
+            </a:r>
+            <a:r>
+              <a:rPr lang="fr-FR" sz="2000" b="1" dirty="0"/>
+              <a:t>gdp.xlsx </a:t>
+            </a:r>
+            <a:r>
+              <a:rPr lang="fr-FR" sz="2000" dirty="0"/>
+              <a:t>situé dans le dossier</a:t>
             </a:r>
             <a:r>
               <a:rPr lang="fr-FR" sz="2000" b="1" dirty="0"/>
@@ -4579,15 +4589,11 @@
               <a:t> </a:t>
             </a:r>
             <a:r>
-              <a:rPr lang="fr-FR" sz="2000" dirty="0"/>
-              <a:t>and </a:t>
-            </a:r>
-            <a:r>
-              <a:rPr lang="fr-FR" sz="2000" b="1" dirty="0" err="1"/>
-              <a:t>Filter</a:t>
-            </a:r>
-            <a:r>
-              <a:rPr lang="fr-FR" sz="2000" dirty="0"/>
+              <a:rPr lang="fr-FR" sz="2000" b="1" dirty="0" smtClean="0"/>
+              <a:t>et Filtre</a:t>
+            </a:r>
+            <a:r>
+              <a:rPr lang="fr-FR" sz="2000" dirty="0" smtClean="0"/>
               <a:t>.</a:t>
             </a:r>
             <a:endParaRPr lang="en-US" sz="2000" dirty="0"/>
@@ -4617,7 +4623,15 @@
           <a:p>
             <a:r>
               <a:rPr lang="fr-FR" sz="2000" dirty="0"/>
-              <a:t>Naviguez jusqu'à l'emplacement du fichier gdp.xlsx et chargez les deux tables </a:t>
+              <a:t>Naviguez jusqu'à l'emplacement du fichier </a:t>
+            </a:r>
+            <a:r>
+              <a:rPr lang="fr-FR" sz="2000" b="1" dirty="0"/>
+              <a:t>gdp.xlsx </a:t>
+            </a:r>
+            <a:r>
+              <a:rPr lang="fr-FR" sz="2000" dirty="0"/>
+              <a:t>et chargez les deux tables </a:t>
             </a:r>
             <a:r>
               <a:rPr lang="fr-FR" sz="2000" b="1" dirty="0"/>
